--- a/Project report.pptx
+++ b/Project report.pptx
@@ -15231,7 +15231,7 @@
         <p:spPr>
           <a:xfrm>
             <a:off x="721557" y="251531"/>
-            <a:ext cx="3964743" cy="605869"/>
+            <a:ext cx="6216272" cy="605869"/>
           </a:xfrm>
           <a:prstGeom prst="rect">
             <a:avLst/>
@@ -15239,7 +15239,7 @@
         </p:spPr>
         <p:txBody>
           <a:bodyPr spcFirstLastPara="1" vert="horz" wrap="square" lIns="91425" tIns="91425" rIns="91425" bIns="91425" rtlCol="0" anchor="t" anchorCtr="0">
-            <a:normAutofit fontScale="85000" lnSpcReduction="10000"/>
+            <a:normAutofit fontScale="77500" lnSpcReduction="20000"/>
           </a:bodyPr>
           <a:lstStyle>
             <a:lvl1pPr lvl="0" algn="l" defTabSz="342900" rtl="0" eaLnBrk="1" latinLnBrk="0" hangingPunct="1">
@@ -15388,7 +15388,7 @@
                 <a:cs typeface="Merriweather"/>
                 <a:sym typeface="Merriweather"/>
               </a:rPr>
-              <a:t>FINAL DASHBOARD - </a:t>
+              <a:t>FINAL TABLEAU STORY DASHBOARDS - </a:t>
             </a:r>
             <a:r>
               <a:rPr lang="en-IN" sz="1800" b="1" i="1" spc="300" dirty="0">
